--- a/HomeAutomation.pptx
+++ b/HomeAutomation.pptx
@@ -360,7 +360,7 @@
           <a:p>
             <a:fld id="{ED291B17-9318-49DB-B28B-6E5994AE9581}" type="datetime1">
               <a:rPr lang="en-US" smtClean="0"/>
-              <a:t>1/12/2021</a:t>
+              <a:t>3/12/2021</a:t>
             </a:fld>
             <a:endParaRPr lang="en-US" dirty="0"/>
           </a:p>
@@ -563,7 +563,7 @@
           <a:p>
             <a:fld id="{2CED4963-E985-44C4-B8C4-FDD613B7C2F8}" type="datetime1">
               <a:rPr lang="en-US" smtClean="0"/>
-              <a:t>1/12/2021</a:t>
+              <a:t>3/12/2021</a:t>
             </a:fld>
             <a:endParaRPr lang="en-US" dirty="0"/>
           </a:p>
@@ -925,7 +925,7 @@
           <a:p>
             <a:fld id="{ED291B17-9318-49DB-B28B-6E5994AE9581}" type="datetime1">
               <a:rPr lang="en-US" smtClean="0"/>
-              <a:t>1/12/2021</a:t>
+              <a:t>3/12/2021</a:t>
             </a:fld>
             <a:endParaRPr lang="en-US" dirty="0"/>
           </a:p>
@@ -1123,7 +1123,7 @@
           <a:p>
             <a:fld id="{78DD82B9-B8EE-4375-B6FF-88FA6ABB15D9}" type="datetime1">
               <a:rPr lang="en-US" smtClean="0"/>
-              <a:t>1/12/2021</a:t>
+              <a:t>3/12/2021</a:t>
             </a:fld>
             <a:endParaRPr lang="en-US" dirty="0"/>
           </a:p>
@@ -1435,7 +1435,7 @@
           <a:p>
             <a:fld id="{B2497495-0637-405E-AE64-5CC7506D51F5}" type="datetime1">
               <a:rPr lang="en-US" smtClean="0"/>
-              <a:t>1/12/2021</a:t>
+              <a:t>3/12/2021</a:t>
             </a:fld>
             <a:endParaRPr lang="en-US" dirty="0"/>
           </a:p>
@@ -1688,7 +1688,7 @@
           <a:p>
             <a:fld id="{7BFFD690-9426-415D-8B65-26881E07B2D4}" type="datetime1">
               <a:rPr lang="en-US" smtClean="0"/>
-              <a:t>1/12/2021</a:t>
+              <a:t>3/12/2021</a:t>
             </a:fld>
             <a:endParaRPr lang="en-US" dirty="0"/>
           </a:p>
@@ -2110,7 +2110,7 @@
           <a:p>
             <a:fld id="{04C4989A-474C-40DE-95B9-011C28B71673}" type="datetime1">
               <a:rPr lang="en-US" smtClean="0"/>
-              <a:t>1/12/2021</a:t>
+              <a:t>3/12/2021</a:t>
             </a:fld>
             <a:endParaRPr lang="en-US" dirty="0"/>
           </a:p>
@@ -2233,7 +2233,7 @@
           <a:p>
             <a:fld id="{5DB4ED54-5B5E-4A04-93D3-5772E3CE3818}" type="datetime1">
               <a:rPr lang="en-US" smtClean="0"/>
-              <a:t>1/12/2021</a:t>
+              <a:t>3/12/2021</a:t>
             </a:fld>
             <a:endParaRPr lang="en-US" dirty="0"/>
           </a:p>
@@ -2328,7 +2328,7 @@
           <a:p>
             <a:fld id="{4EDE50D6-574B-40AF-946F-D52A04ADE379}" type="datetime1">
               <a:rPr lang="en-US" smtClean="0"/>
-              <a:t>1/12/2021</a:t>
+              <a:t>3/12/2021</a:t>
             </a:fld>
             <a:endParaRPr lang="en-US" dirty="0"/>
           </a:p>
@@ -2705,7 +2705,7 @@
           <a:p>
             <a:fld id="{D82884F1-FFEA-405F-9602-3DCA865EDA4E}" type="datetime1">
               <a:rPr lang="en-US" smtClean="0"/>
-              <a:t>1/12/2021</a:t>
+              <a:t>3/12/2021</a:t>
             </a:fld>
             <a:endParaRPr lang="en-US" dirty="0"/>
           </a:p>
@@ -2998,7 +2998,7 @@
           <a:p>
             <a:fld id="{7E18DB4A-8810-4A10-AD5C-D5E2C667F5B3}" type="datetime1">
               <a:rPr lang="en-US" smtClean="0"/>
-              <a:t>1/12/2021</a:t>
+              <a:t>3/12/2021</a:t>
             </a:fld>
             <a:endParaRPr lang="en-US" dirty="0"/>
           </a:p>
@@ -3213,7 +3213,7 @@
           <a:p>
             <a:fld id="{ED291B17-9318-49DB-B28B-6E5994AE9581}" type="datetime1">
               <a:rPr lang="en-US" smtClean="0"/>
-              <a:t>1/12/2021</a:t>
+              <a:t>3/12/2021</a:t>
             </a:fld>
             <a:endParaRPr lang="en-US" dirty="0"/>
           </a:p>
@@ -18423,8 +18423,8 @@
         </p:nvSpPr>
         <p:spPr>
           <a:xfrm>
-            <a:off x="6052030" y="620536"/>
-            <a:ext cx="5990617" cy="4435780"/>
+            <a:off x="6052030" y="620535"/>
+            <a:ext cx="5990617" cy="4707837"/>
           </a:xfrm>
           <a:prstGeom prst="rect">
             <a:avLst/>
@@ -19015,7 +19015,7 @@
         </p:blipFill>
         <p:spPr>
           <a:xfrm>
-            <a:off x="9767471" y="5512458"/>
+            <a:off x="10748888" y="5794819"/>
             <a:ext cx="1199272" cy="1199272"/>
           </a:xfrm>
           <a:prstGeom prst="rect">
@@ -19122,15 +19122,13 @@
           </p:cNvPr>
           <p:cNvCxnSpPr>
             <a:cxnSpLocks/>
-            <a:stCxn id="4" idx="2"/>
-            <a:endCxn id="48" idx="0"/>
           </p:cNvCxnSpPr>
           <p:nvPr/>
         </p:nvCxnSpPr>
         <p:spPr>
           <a:xfrm rot="16200000" flipH="1">
-            <a:off x="9479152" y="4624503"/>
-            <a:ext cx="456142" cy="1319768"/>
+            <a:off x="10895180" y="5586004"/>
+            <a:ext cx="582453" cy="35834"/>
           </a:xfrm>
           <a:prstGeom prst="bentConnector3">
             <a:avLst/>
@@ -19156,41 +19154,6 @@
           </a:fontRef>
         </p:style>
       </p:cxnSp>
-      <p:sp>
-        <p:nvSpPr>
-          <p:cNvPr id="63" name="TextBox 62">
-            <a:extLst>
-              <a:ext uri="{FF2B5EF4-FFF2-40B4-BE49-F238E27FC236}">
-                <a16:creationId xmlns:a16="http://schemas.microsoft.com/office/drawing/2014/main" id="{6D306FC9-9616-4C63-A075-CEB5F2376D79}"/>
-              </a:ext>
-            </a:extLst>
-          </p:cNvPr>
-          <p:cNvSpPr txBox="1"/>
-          <p:nvPr/>
-        </p:nvSpPr>
-        <p:spPr>
-          <a:xfrm>
-            <a:off x="9374314" y="5235470"/>
-            <a:ext cx="502793" cy="246221"/>
-          </a:xfrm>
-          <a:prstGeom prst="rect">
-            <a:avLst/>
-          </a:prstGeom>
-          <a:noFill/>
-        </p:spPr>
-        <p:txBody>
-          <a:bodyPr wrap="square" rtlCol="0">
-            <a:spAutoFit/>
-          </a:bodyPr>
-          <a:lstStyle/>
-          <a:p>
-            <a:r>
-              <a:rPr lang="en-US" sz="1000" dirty="0"/>
-              <a:t>HTTP</a:t>
-            </a:r>
-          </a:p>
-        </p:txBody>
-      </p:sp>
       <p:sp>
         <p:nvSpPr>
           <p:cNvPr id="94" name="TextBox 93">
@@ -20432,6 +20395,105 @@
             <a:solidFill>
               <a:schemeClr val="tx1"/>
             </a:solidFill>
+          </a:ln>
+        </p:spPr>
+        <p:style>
+          <a:lnRef idx="1">
+            <a:schemeClr val="accent1"/>
+          </a:lnRef>
+          <a:fillRef idx="0">
+            <a:schemeClr val="accent1"/>
+          </a:fillRef>
+          <a:effectRef idx="0">
+            <a:schemeClr val="accent1"/>
+          </a:effectRef>
+          <a:fontRef idx="minor">
+            <a:schemeClr val="tx1"/>
+          </a:fontRef>
+        </p:style>
+      </p:cxnSp>
+      <p:sp>
+        <p:nvSpPr>
+          <p:cNvPr id="8" name="Rectangle 7">
+            <a:extLst>
+              <a:ext uri="{FF2B5EF4-FFF2-40B4-BE49-F238E27FC236}">
+                <a16:creationId xmlns:a16="http://schemas.microsoft.com/office/drawing/2014/main" id="{5BAE44EB-3449-4F7A-A51B-935E8ABA8EC2}"/>
+              </a:ext>
+            </a:extLst>
+          </p:cNvPr>
+          <p:cNvSpPr/>
+          <p:nvPr/>
+        </p:nvSpPr>
+        <p:spPr>
+          <a:xfrm>
+            <a:off x="7064545" y="5812204"/>
+            <a:ext cx="2386614" cy="503154"/>
+          </a:xfrm>
+          <a:prstGeom prst="rect">
+            <a:avLst/>
+          </a:prstGeom>
+        </p:spPr>
+        <p:style>
+          <a:lnRef idx="2">
+            <a:schemeClr val="accent1">
+              <a:shade val="50000"/>
+            </a:schemeClr>
+          </a:lnRef>
+          <a:fillRef idx="1">
+            <a:schemeClr val="accent1"/>
+          </a:fillRef>
+          <a:effectRef idx="0">
+            <a:schemeClr val="accent1"/>
+          </a:effectRef>
+          <a:fontRef idx="minor">
+            <a:schemeClr val="lt1"/>
+          </a:fontRef>
+        </p:style>
+        <p:txBody>
+          <a:bodyPr rtlCol="0" anchor="ctr"/>
+          <a:lstStyle/>
+          <a:p>
+            <a:pPr algn="ctr"/>
+            <a:r>
+              <a:rPr lang="en-US" sz="1200" dirty="0"/>
+              <a:t>IoT Platform (</a:t>
+            </a:r>
+            <a:r>
+              <a:rPr lang="en-US" sz="1200" dirty="0" err="1"/>
+              <a:t>Sinric</a:t>
+            </a:r>
+            <a:r>
+              <a:rPr lang="en-US" sz="1200" dirty="0"/>
+              <a:t> Pro)</a:t>
+            </a:r>
+          </a:p>
+        </p:txBody>
+      </p:sp>
+      <p:cxnSp>
+        <p:nvCxnSpPr>
+          <p:cNvPr id="16" name="Straight Arrow Connector 15">
+            <a:extLst>
+              <a:ext uri="{FF2B5EF4-FFF2-40B4-BE49-F238E27FC236}">
+                <a16:creationId xmlns:a16="http://schemas.microsoft.com/office/drawing/2014/main" id="{09C33365-CEA7-4FE9-91F9-20B67C1C4965}"/>
+              </a:ext>
+            </a:extLst>
+          </p:cNvPr>
+          <p:cNvCxnSpPr/>
+          <p:nvPr/>
+        </p:nvCxnSpPr>
+        <p:spPr>
+          <a:xfrm flipV="1">
+            <a:off x="8110728" y="5358612"/>
+            <a:ext cx="0" cy="436207"/>
+          </a:xfrm>
+          <a:prstGeom prst="straightConnector1">
+            <a:avLst/>
+          </a:prstGeom>
+          <a:ln>
+            <a:solidFill>
+              <a:schemeClr val="tx1"/>
+            </a:solidFill>
+            <a:tailEnd type="triangle"/>
           </a:ln>
         </p:spPr>
         <p:style>
@@ -20758,6 +20820,21 @@
 </file>
 
 <file path=customXml/item1.xml><?xml version="1.0" encoding="utf-8"?>
+<?mso-contentType ?>
+<FormTemplates xmlns="http://schemas.microsoft.com/sharepoint/v3/contenttype/forms">
+  <Display>DocumentLibraryForm</Display>
+  <Edit>DocumentLibraryForm</Edit>
+  <New>DocumentLibraryForm</New>
+</FormTemplates>
+</file>
+
+<file path=customXml/item2.xml><?xml version="1.0" encoding="utf-8"?>
+<p:properties xmlns:p="http://schemas.microsoft.com/office/2006/metadata/properties" xmlns:xsi="http://www.w3.org/2001/XMLSchema-instance" xmlns:pc="http://schemas.microsoft.com/office/infopath/2007/PartnerControls">
+  <documentManagement/>
+</p:properties>
+</file>
+
+<file path=customXml/item3.xml><?xml version="1.0" encoding="utf-8"?>
 <ct:contentTypeSchema xmlns:ct="http://schemas.microsoft.com/office/2006/metadata/contentType" xmlns:ma="http://schemas.microsoft.com/office/2006/metadata/properties/metaAttributes" ct:_="" ma:_="" ma:contentTypeName="Document" ma:contentTypeID="0x010100F94C29C17E9AEA4CB48B504ECDD326F6" ma:contentTypeVersion="2" ma:contentTypeDescription="Create a new document." ma:contentTypeScope="" ma:versionID="3836d7293b4980d8b368898da5fdef26">
   <xsd:schema xmlns:xsd="http://www.w3.org/2001/XMLSchema" xmlns:xs="http://www.w3.org/2001/XMLSchema" xmlns:p="http://schemas.microsoft.com/office/2006/metadata/properties" xmlns:ns3="e0232e1f-123a-43d1-921b-7c05729cf17c" targetNamespace="http://schemas.microsoft.com/office/2006/metadata/properties" ma:root="true" ma:fieldsID="6047c41b63fe09a6acf39e236964b9e9" ns3:_="">
     <xsd:import namespace="e0232e1f-123a-43d1-921b-7c05729cf17c"/>
@@ -20889,35 +20966,10 @@
 </ct:contentTypeSchema>
 </file>
 
-<file path=customXml/item2.xml><?xml version="1.0" encoding="utf-8"?>
-<p:properties xmlns:p="http://schemas.microsoft.com/office/2006/metadata/properties" xmlns:xsi="http://www.w3.org/2001/XMLSchema-instance" xmlns:pc="http://schemas.microsoft.com/office/infopath/2007/PartnerControls">
-  <documentManagement/>
-</p:properties>
-</file>
-
-<file path=customXml/item3.xml><?xml version="1.0" encoding="utf-8"?>
-<?mso-contentType ?>
-<FormTemplates xmlns="http://schemas.microsoft.com/sharepoint/v3/contenttype/forms">
-  <Display>DocumentLibraryForm</Display>
-  <Edit>DocumentLibraryForm</Edit>
-  <New>DocumentLibraryForm</New>
-</FormTemplates>
-</file>
-
 <file path=customXml/itemProps1.xml><?xml version="1.0" encoding="utf-8"?>
-<ds:datastoreItem xmlns:ds="http://schemas.openxmlformats.org/officeDocument/2006/customXml" ds:itemID="{8BAA9C12-F995-44B9-858B-101683FB10DA}">
+<ds:datastoreItem xmlns:ds="http://schemas.openxmlformats.org/officeDocument/2006/customXml" ds:itemID="{D8C6403A-684A-431F-8F36-A24C99E28661}">
   <ds:schemaRefs>
-    <ds:schemaRef ds:uri="http://schemas.microsoft.com/office/2006/metadata/contentType"/>
-    <ds:schemaRef ds:uri="http://schemas.microsoft.com/office/2006/metadata/properties/metaAttributes"/>
-    <ds:schemaRef ds:uri="http://www.w3.org/2001/XMLSchema"/>
-    <ds:schemaRef ds:uri="http://schemas.microsoft.com/office/2006/metadata/properties"/>
-    <ds:schemaRef ds:uri="e0232e1f-123a-43d1-921b-7c05729cf17c"/>
-    <ds:schemaRef ds:uri="http://schemas.microsoft.com/office/2006/documentManagement/types"/>
-    <ds:schemaRef ds:uri="http://schemas.microsoft.com/office/infopath/2007/PartnerControls"/>
-    <ds:schemaRef ds:uri="http://schemas.openxmlformats.org/package/2006/metadata/core-properties"/>
-    <ds:schemaRef ds:uri="http://purl.org/dc/elements/1.1/"/>
-    <ds:schemaRef ds:uri="http://purl.org/dc/terms/"/>
-    <ds:schemaRef ds:uri="http://schemas.microsoft.com/internal/obd"/>
+    <ds:schemaRef ds:uri="http://schemas.microsoft.com/sharepoint/v3/contenttype/forms"/>
   </ds:schemaRefs>
 </ds:datastoreItem>
 </file>
@@ -20939,9 +20991,19 @@
 </file>
 
 <file path=customXml/itemProps3.xml><?xml version="1.0" encoding="utf-8"?>
-<ds:datastoreItem xmlns:ds="http://schemas.openxmlformats.org/officeDocument/2006/customXml" ds:itemID="{D8C6403A-684A-431F-8F36-A24C99E28661}">
+<ds:datastoreItem xmlns:ds="http://schemas.openxmlformats.org/officeDocument/2006/customXml" ds:itemID="{8BAA9C12-F995-44B9-858B-101683FB10DA}">
   <ds:schemaRefs>
-    <ds:schemaRef ds:uri="http://schemas.microsoft.com/sharepoint/v3/contenttype/forms"/>
+    <ds:schemaRef ds:uri="http://schemas.microsoft.com/office/2006/metadata/contentType"/>
+    <ds:schemaRef ds:uri="http://schemas.microsoft.com/office/2006/metadata/properties/metaAttributes"/>
+    <ds:schemaRef ds:uri="http://www.w3.org/2001/XMLSchema"/>
+    <ds:schemaRef ds:uri="http://schemas.microsoft.com/office/2006/metadata/properties"/>
+    <ds:schemaRef ds:uri="e0232e1f-123a-43d1-921b-7c05729cf17c"/>
+    <ds:schemaRef ds:uri="http://schemas.microsoft.com/office/2006/documentManagement/types"/>
+    <ds:schemaRef ds:uri="http://schemas.microsoft.com/office/infopath/2007/PartnerControls"/>
+    <ds:schemaRef ds:uri="http://schemas.openxmlformats.org/package/2006/metadata/core-properties"/>
+    <ds:schemaRef ds:uri="http://purl.org/dc/elements/1.1/"/>
+    <ds:schemaRef ds:uri="http://purl.org/dc/terms/"/>
+    <ds:schemaRef ds:uri="http://schemas.microsoft.com/internal/obd"/>
   </ds:schemaRefs>
 </ds:datastoreItem>
 </file>